--- a/docs/diagrams/LogicComponentSequenceDiagram.pptx
+++ b/docs/diagrams/LogicComponentSequenceDiagram.pptx
@@ -6135,8 +6135,8 @@
         </p:nvSpPr>
         <p:spPr>
           <a:xfrm>
-            <a:off x="-275323" y="2743200"/>
-            <a:ext cx="1700169" cy="430887"/>
+            <a:off x="-1317446" y="2733290"/>
+            <a:ext cx="2845356" cy="215444"/>
           </a:xfrm>
           <a:prstGeom prst="rect">
             <a:avLst/>
@@ -6156,15 +6156,7 @@
                   <a:srgbClr val="0070C0"/>
                 </a:solidFill>
               </a:rPr>
-              <a:t>execute</a:t>
-            </a:r>
-            <a:r>
-              <a:rPr lang="en-US" sz="1400" dirty="0" smtClean="0">
-                <a:solidFill>
-                  <a:srgbClr val="0070C0"/>
-                </a:solidFill>
-              </a:rPr>
-              <a:t>(“</a:t>
+              <a:t>execute(“</a:t>
             </a:r>
             <a:r>
               <a:rPr lang="en-US" sz="1400" dirty="0" err="1" smtClean="0">
@@ -6748,8 +6740,8 @@
         </p:nvSpPr>
         <p:spPr>
           <a:xfrm>
-            <a:off x="6876528" y="4226376"/>
-            <a:ext cx="1810272" cy="430887"/>
+            <a:off x="6333674" y="4253981"/>
+            <a:ext cx="2362200" cy="184666"/>
           </a:xfrm>
           <a:prstGeom prst="rect">
             <a:avLst/>
@@ -6774,7 +6766,7 @@
           </a:lstStyle>
           <a:p>
             <a:r>
-              <a:rPr lang="en-US" dirty="0" err="1" smtClean="0">
+              <a:rPr lang="en-US" sz="1200" dirty="0" err="1" smtClean="0">
                 <a:solidFill>
                   <a:srgbClr val="7030A0"/>
                 </a:solidFill>
@@ -6782,30 +6774,14 @@
               <a:t>updateFilteredTaskList</a:t>
             </a:r>
             <a:r>
-              <a:rPr lang="en-US" dirty="0" smtClean="0">
+              <a:rPr lang="en-US" sz="1200" dirty="0" smtClean="0">
                 <a:solidFill>
                   <a:srgbClr val="7030A0"/>
                 </a:solidFill>
               </a:rPr>
-              <a:t> </a:t>
-            </a:r>
-            <a:r>
-              <a:rPr lang="en-US" dirty="0" smtClean="0">
-                <a:solidFill>
-                  <a:srgbClr val="7030A0"/>
-                </a:solidFill>
-              </a:rPr>
-              <a:t>(Date)</a:t>
-            </a:r>
-            <a:r>
-              <a:rPr lang="en-US" dirty="0" smtClean="0">
-                <a:solidFill>
-                  <a:srgbClr val="7030A0"/>
-                </a:solidFill>
-              </a:rPr>
-              <a:t>)</a:t>
-            </a:r>
-            <a:endParaRPr lang="en-US" dirty="0">
+              <a:t> (Date))</a:t>
+            </a:r>
+            <a:endParaRPr lang="en-US" sz="1200" dirty="0">
               <a:solidFill>
                 <a:srgbClr val="7030A0"/>
               </a:solidFill>
@@ -6852,11 +6828,7 @@
             </a:r>
             <a:r>
               <a:rPr lang="en-US" sz="1200" dirty="0" smtClean="0"/>
-              <a:t>arse</a:t>
-            </a:r>
-            <a:r>
-              <a:rPr lang="en-US" sz="1200" dirty="0" smtClean="0"/>
-              <a:t>(“today”)</a:t>
+              <a:t>arse(“today”)</a:t>
             </a:r>
             <a:endParaRPr lang="en-US" sz="1200" dirty="0"/>
           </a:p>
@@ -6870,8 +6842,8 @@
         </p:nvSpPr>
         <p:spPr>
           <a:xfrm>
-            <a:off x="1742982" y="2850922"/>
-            <a:ext cx="1424846" cy="430887"/>
+            <a:off x="1157047" y="2782309"/>
+            <a:ext cx="2160435" cy="184666"/>
           </a:xfrm>
           <a:prstGeom prst="rect">
             <a:avLst/>
@@ -6896,22 +6868,18 @@
           </a:lstStyle>
           <a:p>
             <a:r>
-              <a:rPr lang="en-US" dirty="0" smtClean="0"/>
-              <a:t>parse</a:t>
-            </a:r>
-            <a:r>
-              <a:rPr lang="en-US" dirty="0" smtClean="0"/>
-              <a:t>(“</a:t>
-            </a:r>
-            <a:r>
-              <a:rPr lang="en-US" dirty="0" err="1" smtClean="0"/>
+              <a:rPr lang="en-US" sz="1200" dirty="0" smtClean="0"/>
+              <a:t>parse(“</a:t>
+            </a:r>
+            <a:r>
+              <a:rPr lang="en-US" sz="1200" dirty="0" err="1" smtClean="0"/>
               <a:t>findbydate</a:t>
             </a:r>
             <a:r>
-              <a:rPr lang="en-US" dirty="0" smtClean="0"/>
+              <a:rPr lang="en-US" sz="1200" dirty="0" smtClean="0"/>
               <a:t> today”)</a:t>
             </a:r>
-            <a:endParaRPr lang="en-US" dirty="0"/>
+            <a:endParaRPr lang="en-US" sz="1200" dirty="0"/>
           </a:p>
         </p:txBody>
       </p:sp>
